--- a/ProjectDocumentation.pptx
+++ b/ProjectDocumentation.pptx
@@ -11331,11 +11331,11 @@
           <a:p>
             <a:r>
               <a:rPr lang="en-US" dirty="0"/>
-              <a:t>Demo! – Play </a:t>
+              <a:t>Demo! – </a:t>
             </a:r>
             <a:r>
               <a:rPr lang="en-US"/>
-              <a:t>Demo.mp4</a:t>
+              <a:t>Play ProjectDemo.mp4</a:t>
             </a:r>
             <a:endParaRPr lang="en-US" dirty="0"/>
           </a:p>
